--- a/Presentation.pptx
+++ b/Presentation.pptx
@@ -108,7 +108,16 @@
       </a:defRPr>
     </a:lvl9pPr>
   </p:defaultTextStyle>
+  <p:extLst>
+    <p:ext uri="{EFAFB233-063F-42B5-8137-9DF3F51BA10A}">
+      <p15:sldGuideLst xmlns:p15="http://schemas.microsoft.com/office/powerpoint/2012/main"/>
+    </p:ext>
+  </p:extLst>
 </p:presentation>
+</file>
+
+<file path=ppt/revisionInfo.xml><?xml version="1.0" encoding="utf-8"?>
+<p1510:revInfo xmlns:a="http://schemas.openxmlformats.org/drawingml/2006/main" xmlns:r="http://schemas.openxmlformats.org/officeDocument/2006/relationships" xmlns:p1510="http://schemas.microsoft.com/office/powerpoint/2015/10/main"/>
 </file>
 
 <file path=ppt/slideLayouts/slideLayout1.xml><?xml version="1.0" encoding="utf-8"?>
@@ -8046,12 +8055,78 @@
             <p:ph idx="1"/>
           </p:nvPr>
         </p:nvSpPr>
-        <p:spPr/>
-        <p:txBody>
-          <a:bodyPr/>
+        <p:spPr>
+          <a:xfrm>
+            <a:off x="2589212" y="2133600"/>
+            <a:ext cx="8915400" cy="3978442"/>
+          </a:xfrm>
+        </p:spPr>
+        <p:txBody>
+          <a:bodyPr>
+            <a:normAutofit/>
+          </a:bodyPr>
           <a:lstStyle/>
           <a:p>
-            <a:endParaRPr lang="en-CA"/>
+            <a:r>
+              <a:rPr lang="en-CA" dirty="0"/>
+              <a:t>How much overhead has file logging added to the performance of your program?</a:t>
+            </a:r>
+          </a:p>
+          <a:p>
+            <a:pPr lvl="1"/>
+            <a:r>
+              <a:rPr lang="en-CA" dirty="0"/>
+              <a:t>File logging added a lot of delay because of the way we implemented it</a:t>
+            </a:r>
+          </a:p>
+          <a:p>
+            <a:pPr lvl="2"/>
+            <a:r>
+              <a:rPr lang="en-CA" dirty="0"/>
+              <a:t>Would reopen file for each write.</a:t>
+            </a:r>
+          </a:p>
+          <a:p>
+            <a:pPr lvl="1"/>
+            <a:r>
+              <a:rPr lang="en-CA" dirty="0"/>
+              <a:t>Runtime was SERVERLY slower than it was without logging.</a:t>
+            </a:r>
+          </a:p>
+          <a:p>
+            <a:r>
+              <a:rPr lang="en-CA" dirty="0"/>
+              <a:t>How have you relieved the I/O delay to improve performance?</a:t>
+            </a:r>
+          </a:p>
+          <a:p>
+            <a:pPr lvl="1"/>
+            <a:r>
+              <a:rPr lang="en-CA" dirty="0"/>
+              <a:t>Had to make it faster, because it would grow linearly with the number of terms being calculated.</a:t>
+            </a:r>
+          </a:p>
+          <a:p>
+            <a:pPr lvl="1"/>
+            <a:r>
+              <a:rPr lang="en-CA" dirty="0"/>
+              <a:t>Used a </a:t>
+            </a:r>
+            <a:r>
+              <a:rPr lang="en-CA" dirty="0" err="1"/>
+              <a:t>BufferedWriter</a:t>
+            </a:r>
+            <a:r>
+              <a:rPr lang="en-CA" dirty="0"/>
+              <a:t> to keep changes in memory, only writing when there was a lot to write in the buffer</a:t>
+            </a:r>
+          </a:p>
+          <a:p>
+            <a:pPr lvl="2"/>
+            <a:r>
+              <a:rPr lang="en-CA" dirty="0"/>
+              <a:t>This reduced the number of writes required, meaning there was almost no overhead anymore.</a:t>
+            </a:r>
           </a:p>
         </p:txBody>
       </p:sp>

--- a/Presentation.pptx
+++ b/Presentation.pptx
@@ -8162,54 +8162,419 @@
       </p:grpSpPr>
       <p:sp>
         <p:nvSpPr>
-          <p:cNvPr id="2" name="Title 1">
+          <p:cNvPr id="4" name="Title 1">
             <a:extLst>
               <a:ext uri="{FF2B5EF4-FFF2-40B4-BE49-F238E27FC236}">
-                <a16:creationId xmlns:a16="http://schemas.microsoft.com/office/drawing/2014/main" id="{9793EA12-60BF-44EF-ACD7-279E12D29183}"/>
+                <a16:creationId xmlns:a16="http://schemas.microsoft.com/office/drawing/2014/main" id="{12CBD448-35D8-4F54-8EC3-9311F3AC0933}"/>
               </a:ext>
             </a:extLst>
           </p:cNvPr>
-          <p:cNvSpPr>
-            <a:spLocks noGrp="1"/>
-          </p:cNvSpPr>
-          <p:nvPr>
-            <p:ph type="title"/>
-          </p:nvPr>
-        </p:nvSpPr>
-        <p:spPr/>
-        <p:txBody>
-          <a:bodyPr/>
-          <a:lstStyle/>
+          <p:cNvSpPr txBox="1">
+            <a:spLocks/>
+          </p:cNvSpPr>
+          <p:nvPr/>
+        </p:nvSpPr>
+        <p:spPr>
+          <a:xfrm>
+            <a:off x="1803400" y="657225"/>
+            <a:ext cx="10515600" cy="1325563"/>
+          </a:xfrm>
+          <a:prstGeom prst="rect">
+            <a:avLst/>
+          </a:prstGeom>
+        </p:spPr>
+        <p:txBody>
+          <a:bodyPr vert="horz" lIns="91440" tIns="45720" rIns="91440" bIns="45720" rtlCol="0" anchor="t">
+            <a:normAutofit/>
+          </a:bodyPr>
+          <a:lstStyle>
+            <a:lvl1pPr algn="l" defTabSz="457200" rtl="0" eaLnBrk="1" latinLnBrk="0" hangingPunct="1">
+              <a:spcBef>
+                <a:spcPct val="0"/>
+              </a:spcBef>
+              <a:buNone/>
+              <a:defRPr sz="3600" kern="1200">
+                <a:solidFill>
+                  <a:schemeClr val="tx1">
+                    <a:lumMod val="85000"/>
+                    <a:lumOff val="15000"/>
+                  </a:schemeClr>
+                </a:solidFill>
+                <a:latin typeface="+mj-lt"/>
+                <a:ea typeface="+mj-ea"/>
+                <a:cs typeface="+mj-cs"/>
+              </a:defRPr>
+            </a:lvl1pPr>
+            <a:lvl2pPr eaLnBrk="1" hangingPunct="1">
+              <a:defRPr>
+                <a:solidFill>
+                  <a:schemeClr val="tx2"/>
+                </a:solidFill>
+              </a:defRPr>
+            </a:lvl2pPr>
+            <a:lvl3pPr eaLnBrk="1" hangingPunct="1">
+              <a:defRPr>
+                <a:solidFill>
+                  <a:schemeClr val="tx2"/>
+                </a:solidFill>
+              </a:defRPr>
+            </a:lvl3pPr>
+            <a:lvl4pPr eaLnBrk="1" hangingPunct="1">
+              <a:defRPr>
+                <a:solidFill>
+                  <a:schemeClr val="tx2"/>
+                </a:solidFill>
+              </a:defRPr>
+            </a:lvl4pPr>
+            <a:lvl5pPr eaLnBrk="1" hangingPunct="1">
+              <a:defRPr>
+                <a:solidFill>
+                  <a:schemeClr val="tx2"/>
+                </a:solidFill>
+              </a:defRPr>
+            </a:lvl5pPr>
+            <a:lvl6pPr eaLnBrk="1" hangingPunct="1">
+              <a:defRPr>
+                <a:solidFill>
+                  <a:schemeClr val="tx2"/>
+                </a:solidFill>
+              </a:defRPr>
+            </a:lvl6pPr>
+            <a:lvl7pPr eaLnBrk="1" hangingPunct="1">
+              <a:defRPr>
+                <a:solidFill>
+                  <a:schemeClr val="tx2"/>
+                </a:solidFill>
+              </a:defRPr>
+            </a:lvl7pPr>
+            <a:lvl8pPr eaLnBrk="1" hangingPunct="1">
+              <a:defRPr>
+                <a:solidFill>
+                  <a:schemeClr val="tx2"/>
+                </a:solidFill>
+              </a:defRPr>
+            </a:lvl8pPr>
+            <a:lvl9pPr eaLnBrk="1" hangingPunct="1">
+              <a:defRPr>
+                <a:solidFill>
+                  <a:schemeClr val="tx2"/>
+                </a:solidFill>
+              </a:defRPr>
+            </a:lvl9pPr>
+          </a:lstStyle>
           <a:p>
             <a:r>
               <a:rPr lang="en-CA" dirty="0"/>
-              <a:t>Part 4</a:t>
-            </a:r>
-          </a:p>
-        </p:txBody>
-      </p:sp>
-      <p:sp>
-        <p:nvSpPr>
-          <p:cNvPr id="3" name="Content Placeholder 2">
+              <a:t>Part 4 (Server and Client)</a:t>
+            </a:r>
+          </a:p>
+        </p:txBody>
+      </p:sp>
+      <p:sp>
+        <p:nvSpPr>
+          <p:cNvPr id="5" name="Content Placeholder 2">
             <a:extLst>
               <a:ext uri="{FF2B5EF4-FFF2-40B4-BE49-F238E27FC236}">
-                <a16:creationId xmlns:a16="http://schemas.microsoft.com/office/drawing/2014/main" id="{A2B1ED5A-48D6-48EE-AF84-62A09AABDD3E}"/>
+                <a16:creationId xmlns:a16="http://schemas.microsoft.com/office/drawing/2014/main" id="{54ACF33E-C82F-4CC4-9A2F-A37A05A53532}"/>
               </a:ext>
             </a:extLst>
           </p:cNvPr>
-          <p:cNvSpPr>
-            <a:spLocks noGrp="1"/>
-          </p:cNvSpPr>
-          <p:nvPr>
-            <p:ph idx="1"/>
-          </p:nvPr>
-        </p:nvSpPr>
-        <p:spPr/>
-        <p:txBody>
-          <a:bodyPr/>
-          <a:lstStyle/>
-          <a:p>
-            <a:endParaRPr lang="en-CA"/>
+          <p:cNvSpPr txBox="1">
+            <a:spLocks/>
+          </p:cNvSpPr>
+          <p:nvPr/>
+        </p:nvSpPr>
+        <p:spPr>
+          <a:xfrm>
+            <a:off x="1803400" y="2168525"/>
+            <a:ext cx="10515600" cy="4351338"/>
+          </a:xfrm>
+          <a:prstGeom prst="rect">
+            <a:avLst/>
+          </a:prstGeom>
+        </p:spPr>
+        <p:txBody>
+          <a:bodyPr vert="horz" lIns="91440" tIns="45720" rIns="91440" bIns="45720" rtlCol="0">
+            <a:normAutofit/>
+          </a:bodyPr>
+          <a:lstStyle>
+            <a:lvl1pPr marL="342900" indent="-342900" algn="l" defTabSz="457200" rtl="0" eaLnBrk="1" latinLnBrk="0" hangingPunct="1">
+              <a:spcBef>
+                <a:spcPts val="1000"/>
+              </a:spcBef>
+              <a:spcAft>
+                <a:spcPts val="0"/>
+              </a:spcAft>
+              <a:buClr>
+                <a:schemeClr val="accent1"/>
+              </a:buClr>
+              <a:buFont typeface="Wingdings 3" charset="2"/>
+              <a:buChar char=""/>
+              <a:defRPr sz="1800" kern="1200">
+                <a:solidFill>
+                  <a:schemeClr val="tx1">
+                    <a:lumMod val="75000"/>
+                    <a:lumOff val="25000"/>
+                  </a:schemeClr>
+                </a:solidFill>
+                <a:latin typeface="+mn-lt"/>
+                <a:ea typeface="+mn-ea"/>
+                <a:cs typeface="+mn-cs"/>
+              </a:defRPr>
+            </a:lvl1pPr>
+            <a:lvl2pPr marL="742950" indent="-285750" algn="l" defTabSz="457200" rtl="0" eaLnBrk="1" latinLnBrk="0" hangingPunct="1">
+              <a:spcBef>
+                <a:spcPts val="1000"/>
+              </a:spcBef>
+              <a:spcAft>
+                <a:spcPts val="0"/>
+              </a:spcAft>
+              <a:buClr>
+                <a:schemeClr val="accent1"/>
+              </a:buClr>
+              <a:buFont typeface="Wingdings 3" charset="2"/>
+              <a:buChar char=""/>
+              <a:defRPr sz="1600" kern="1200">
+                <a:solidFill>
+                  <a:schemeClr val="tx1">
+                    <a:lumMod val="75000"/>
+                    <a:lumOff val="25000"/>
+                  </a:schemeClr>
+                </a:solidFill>
+                <a:latin typeface="+mn-lt"/>
+                <a:ea typeface="+mn-ea"/>
+                <a:cs typeface="+mn-cs"/>
+              </a:defRPr>
+            </a:lvl2pPr>
+            <a:lvl3pPr marL="1143000" indent="-228600" algn="l" defTabSz="457200" rtl="0" eaLnBrk="1" latinLnBrk="0" hangingPunct="1">
+              <a:spcBef>
+                <a:spcPts val="1000"/>
+              </a:spcBef>
+              <a:spcAft>
+                <a:spcPts val="0"/>
+              </a:spcAft>
+              <a:buClr>
+                <a:schemeClr val="accent1"/>
+              </a:buClr>
+              <a:buFont typeface="Wingdings 3" charset="2"/>
+              <a:buChar char=""/>
+              <a:defRPr sz="1400" kern="1200">
+                <a:solidFill>
+                  <a:schemeClr val="tx1">
+                    <a:lumMod val="75000"/>
+                    <a:lumOff val="25000"/>
+                  </a:schemeClr>
+                </a:solidFill>
+                <a:latin typeface="+mn-lt"/>
+                <a:ea typeface="+mn-ea"/>
+                <a:cs typeface="+mn-cs"/>
+              </a:defRPr>
+            </a:lvl3pPr>
+            <a:lvl4pPr marL="1600200" indent="-228600" algn="l" defTabSz="457200" rtl="0" eaLnBrk="1" latinLnBrk="0" hangingPunct="1">
+              <a:spcBef>
+                <a:spcPts val="1000"/>
+              </a:spcBef>
+              <a:spcAft>
+                <a:spcPts val="0"/>
+              </a:spcAft>
+              <a:buClr>
+                <a:schemeClr val="accent1"/>
+              </a:buClr>
+              <a:buFont typeface="Wingdings 3" charset="2"/>
+              <a:buChar char=""/>
+              <a:defRPr sz="1200" kern="1200">
+                <a:solidFill>
+                  <a:schemeClr val="tx1">
+                    <a:lumMod val="75000"/>
+                    <a:lumOff val="25000"/>
+                  </a:schemeClr>
+                </a:solidFill>
+                <a:latin typeface="+mn-lt"/>
+                <a:ea typeface="+mn-ea"/>
+                <a:cs typeface="+mn-cs"/>
+              </a:defRPr>
+            </a:lvl4pPr>
+            <a:lvl5pPr marL="2057400" indent="-228600" algn="l" defTabSz="457200" rtl="0" eaLnBrk="1" latinLnBrk="0" hangingPunct="1">
+              <a:spcBef>
+                <a:spcPts val="1000"/>
+              </a:spcBef>
+              <a:spcAft>
+                <a:spcPts val="0"/>
+              </a:spcAft>
+              <a:buClr>
+                <a:schemeClr val="accent1"/>
+              </a:buClr>
+              <a:buFont typeface="Wingdings 3" charset="2"/>
+              <a:buChar char=""/>
+              <a:defRPr sz="1200" kern="1200">
+                <a:solidFill>
+                  <a:schemeClr val="tx1">
+                    <a:lumMod val="75000"/>
+                    <a:lumOff val="25000"/>
+                  </a:schemeClr>
+                </a:solidFill>
+                <a:latin typeface="+mn-lt"/>
+                <a:ea typeface="+mn-ea"/>
+                <a:cs typeface="+mn-cs"/>
+              </a:defRPr>
+            </a:lvl5pPr>
+            <a:lvl6pPr marL="2514600" indent="-228600" algn="l" defTabSz="457200" rtl="0" eaLnBrk="1" latinLnBrk="0" hangingPunct="1">
+              <a:spcBef>
+                <a:spcPts val="1000"/>
+              </a:spcBef>
+              <a:spcAft>
+                <a:spcPts val="0"/>
+              </a:spcAft>
+              <a:buClr>
+                <a:schemeClr val="accent1"/>
+              </a:buClr>
+              <a:buFont typeface="Wingdings 3" charset="2"/>
+              <a:buChar char=""/>
+              <a:defRPr sz="1200" kern="1200">
+                <a:solidFill>
+                  <a:schemeClr val="tx1">
+                    <a:lumMod val="75000"/>
+                    <a:lumOff val="25000"/>
+                  </a:schemeClr>
+                </a:solidFill>
+                <a:latin typeface="+mn-lt"/>
+                <a:ea typeface="+mn-ea"/>
+                <a:cs typeface="+mn-cs"/>
+              </a:defRPr>
+            </a:lvl6pPr>
+            <a:lvl7pPr marL="2971800" indent="-228600" algn="l" defTabSz="457200" rtl="0" eaLnBrk="1" latinLnBrk="0" hangingPunct="1">
+              <a:spcBef>
+                <a:spcPts val="1000"/>
+              </a:spcBef>
+              <a:spcAft>
+                <a:spcPts val="0"/>
+              </a:spcAft>
+              <a:buClr>
+                <a:schemeClr val="accent1"/>
+              </a:buClr>
+              <a:buFont typeface="Wingdings 3" charset="2"/>
+              <a:buChar char=""/>
+              <a:defRPr sz="1200" kern="1200">
+                <a:solidFill>
+                  <a:schemeClr val="tx1">
+                    <a:lumMod val="75000"/>
+                    <a:lumOff val="25000"/>
+                  </a:schemeClr>
+                </a:solidFill>
+                <a:latin typeface="+mn-lt"/>
+                <a:ea typeface="+mn-ea"/>
+                <a:cs typeface="+mn-cs"/>
+              </a:defRPr>
+            </a:lvl7pPr>
+            <a:lvl8pPr marL="3429000" indent="-228600" algn="l" defTabSz="457200" rtl="0" eaLnBrk="1" latinLnBrk="0" hangingPunct="1">
+              <a:spcBef>
+                <a:spcPts val="1000"/>
+              </a:spcBef>
+              <a:spcAft>
+                <a:spcPts val="0"/>
+              </a:spcAft>
+              <a:buClr>
+                <a:schemeClr val="accent1"/>
+              </a:buClr>
+              <a:buFont typeface="Wingdings 3" charset="2"/>
+              <a:buChar char=""/>
+              <a:defRPr sz="1200" kern="1200">
+                <a:solidFill>
+                  <a:schemeClr val="tx1">
+                    <a:lumMod val="75000"/>
+                    <a:lumOff val="25000"/>
+                  </a:schemeClr>
+                </a:solidFill>
+                <a:latin typeface="+mn-lt"/>
+                <a:ea typeface="+mn-ea"/>
+                <a:cs typeface="+mn-cs"/>
+              </a:defRPr>
+            </a:lvl8pPr>
+            <a:lvl9pPr marL="3886200" indent="-228600" algn="l" defTabSz="457200" rtl="0" eaLnBrk="1" latinLnBrk="0" hangingPunct="1">
+              <a:spcBef>
+                <a:spcPts val="1000"/>
+              </a:spcBef>
+              <a:spcAft>
+                <a:spcPts val="0"/>
+              </a:spcAft>
+              <a:buClr>
+                <a:schemeClr val="accent1"/>
+              </a:buClr>
+              <a:buFont typeface="Wingdings 3" charset="2"/>
+              <a:buChar char=""/>
+              <a:defRPr sz="1200" kern="1200">
+                <a:solidFill>
+                  <a:schemeClr val="tx1">
+                    <a:lumMod val="75000"/>
+                    <a:lumOff val="25000"/>
+                  </a:schemeClr>
+                </a:solidFill>
+                <a:latin typeface="+mn-lt"/>
+                <a:ea typeface="+mn-ea"/>
+                <a:cs typeface="+mn-cs"/>
+              </a:defRPr>
+            </a:lvl9pPr>
+          </a:lstStyle>
+          <a:p>
+            <a:r>
+              <a:rPr lang="en-CA"/>
+              <a:t>How fat is your client?</a:t>
+            </a:r>
+          </a:p>
+          <a:p>
+            <a:pPr lvl="1"/>
+            <a:r>
+              <a:rPr lang="en-CA"/>
+              <a:t>The client is fairly thin, all of the processing is handled by the server. </a:t>
+            </a:r>
+          </a:p>
+          <a:p>
+            <a:pPr lvl="2"/>
+            <a:r>
+              <a:rPr lang="en-CA"/>
+              <a:t>The client requests information and the server processes it.</a:t>
+            </a:r>
+          </a:p>
+          <a:p>
+            <a:r>
+              <a:rPr lang="en-CA"/>
+              <a:t>What information have you transferred between client and server?</a:t>
+            </a:r>
+          </a:p>
+          <a:p>
+            <a:pPr lvl="1"/>
+            <a:r>
+              <a:rPr lang="en-CA"/>
+              <a:t>The server sends over questions requesting input. The client inputs the appropriate information and sends it. The server then sends the processed information and the client logs it.</a:t>
+            </a:r>
+          </a:p>
+          <a:p>
+            <a:pPr lvl="2"/>
+            <a:r>
+              <a:rPr lang="en-CA"/>
+              <a:t>We settle for using PrintStream for the communication process as BufferedWriter didn’t work.</a:t>
+            </a:r>
+          </a:p>
+          <a:p>
+            <a:r>
+              <a:rPr lang="en-CA"/>
+              <a:t>Have you used reliable or unreliable communication between your client and server? Why?</a:t>
+            </a:r>
+          </a:p>
+          <a:p>
+            <a:pPr lvl="1"/>
+            <a:r>
+              <a:rPr lang="en-CA"/>
+              <a:t>We used unreliable communication. It reduces overhead and complexity.</a:t>
+            </a:r>
+          </a:p>
+          <a:p>
+            <a:pPr lvl="2"/>
+            <a:r>
+              <a:rPr lang="en-CA"/>
+              <a:t>Continuous testing, allowed us to be sure this method would work. Reliable was not needed.</a:t>
+            </a:r>
+            <a:endParaRPr lang="en-CA" dirty="0"/>
           </a:p>
         </p:txBody>
       </p:sp>
